--- a/Diagrams_for_Spec1.1.pptx
+++ b/Diagrams_for_Spec1.1.pptx
@@ -5,7 +5,8 @@
     <p:sldMasterId id="2147483648" r:id="rId1"/>
   </p:sldMasterIdLst>
   <p:sldIdLst>
-    <p:sldId id="257" r:id="rId2"/>
+    <p:sldId id="259" r:id="rId2"/>
+    <p:sldId id="257" r:id="rId3"/>
   </p:sldIdLst>
   <p:sldSz cx="9144000" cy="6858000" type="screen4x3"/>
   <p:notesSz cx="6858000" cy="9144000"/>
@@ -3095,854 +3096,1827 @@
           <a:chExt cx="0" cy="0"/>
         </a:xfrm>
       </p:grpSpPr>
+      <p:sp>
+        <p:nvSpPr>
+          <p:cNvPr id="28" name="Rectangle 27"/>
+          <p:cNvSpPr/>
+          <p:nvPr/>
+        </p:nvSpPr>
+        <p:spPr>
+          <a:xfrm>
+            <a:off x="679459" y="5549893"/>
+            <a:ext cx="2090612" cy="369332"/>
+          </a:xfrm>
+          <a:prstGeom prst="rect">
+            <a:avLst/>
+          </a:prstGeom>
+        </p:spPr>
+        <p:txBody>
+          <a:bodyPr wrap="none">
+            <a:spAutoFit/>
+          </a:bodyPr>
+          <a:lstStyle/>
+          <a:p>
+            <a:pPr algn="r"/>
+            <a:r>
+              <a:rPr lang="en-US" dirty="0"/>
+              <a:t>Processing Element</a:t>
+            </a:r>
+            <a:r>
+              <a:rPr lang="en-US" baseline="-25000" dirty="0"/>
+              <a:t>0</a:t>
+            </a:r>
+            <a:endParaRPr lang="en-US" baseline="-25000" dirty="0"/>
+          </a:p>
+        </p:txBody>
+      </p:sp>
+      <p:sp>
+        <p:nvSpPr>
+          <p:cNvPr id="29" name="Rectangle 28"/>
+          <p:cNvSpPr/>
+          <p:nvPr/>
+        </p:nvSpPr>
+        <p:spPr>
+          <a:xfrm>
+            <a:off x="2796556" y="5472904"/>
+            <a:ext cx="2237061" cy="369332"/>
+          </a:xfrm>
+          <a:prstGeom prst="rect">
+            <a:avLst/>
+          </a:prstGeom>
+        </p:spPr>
+        <p:txBody>
+          <a:bodyPr wrap="none">
+            <a:spAutoFit/>
+          </a:bodyPr>
+          <a:lstStyle/>
+          <a:p>
+            <a:pPr algn="r"/>
+            <a:r>
+              <a:rPr lang="en-US" dirty="0"/>
+              <a:t>Processing </a:t>
+            </a:r>
+            <a:r>
+              <a:rPr lang="en-US" dirty="0" smtClean="0"/>
+              <a:t>Element</a:t>
+            </a:r>
+            <a:r>
+              <a:rPr lang="en-US" baseline="-25000" dirty="0" smtClean="0"/>
+              <a:t>N-1</a:t>
+            </a:r>
+            <a:endParaRPr lang="en-US" baseline="-25000" dirty="0"/>
+          </a:p>
+        </p:txBody>
+      </p:sp>
       <p:grpSp>
         <p:nvGrpSpPr>
-          <p:cNvPr id="2" name="Group 1"/>
+          <p:cNvPr id="14" name="Group 13"/>
           <p:cNvGrpSpPr/>
           <p:nvPr/>
         </p:nvGrpSpPr>
         <p:grpSpPr>
           <a:xfrm>
-            <a:off x="170373" y="1466155"/>
-            <a:ext cx="7790672" cy="5281989"/>
-            <a:chOff x="170373" y="1466155"/>
-            <a:chExt cx="7790672" cy="5281989"/>
+            <a:off x="563528" y="539477"/>
+            <a:ext cx="2206541" cy="4652150"/>
+            <a:chOff x="795080" y="-25278"/>
+            <a:chExt cx="2986083" cy="6289205"/>
           </a:xfrm>
         </p:grpSpPr>
-        <p:grpSp>
-          <p:nvGrpSpPr>
-            <p:cNvPr id="3" name="Group 2"/>
-            <p:cNvGrpSpPr/>
+        <p:sp>
+          <p:nvSpPr>
+            <p:cNvPr id="23" name="Rounded Rectangle 22"/>
+            <p:cNvSpPr/>
             <p:nvPr/>
-          </p:nvGrpSpPr>
-          <p:grpSpPr>
+          </p:nvSpPr>
+          <p:spPr>
             <a:xfrm>
-              <a:off x="291796" y="1936194"/>
-              <a:ext cx="7545345" cy="4626895"/>
-              <a:chOff x="291796" y="1936194"/>
-              <a:chExt cx="7545345" cy="4626895"/>
+              <a:off x="1053218" y="864208"/>
+              <a:ext cx="2152895" cy="1409550"/>
             </a:xfrm>
-          </p:grpSpPr>
-          <p:grpSp>
-            <p:nvGrpSpPr>
-              <p:cNvPr id="14" name="Group 13"/>
-              <p:cNvGrpSpPr/>
-              <p:nvPr/>
-            </p:nvGrpSpPr>
-            <p:grpSpPr>
-              <a:xfrm>
-                <a:off x="291796" y="1936194"/>
-                <a:ext cx="3456412" cy="4618644"/>
-                <a:chOff x="774423" y="338608"/>
-                <a:chExt cx="4677515" cy="6232633"/>
-              </a:xfrm>
-            </p:grpSpPr>
-            <p:sp>
-              <p:nvSpPr>
-                <p:cNvPr id="22" name="Rounded Rectangle 21"/>
-                <p:cNvSpPr/>
-                <p:nvPr/>
-              </p:nvSpPr>
-              <p:spPr>
-                <a:xfrm>
-                  <a:off x="774423" y="5040267"/>
-                  <a:ext cx="4677515" cy="1530974"/>
-                </a:xfrm>
-                <a:prstGeom prst="roundRect">
-                  <a:avLst/>
-                </a:prstGeom>
-              </p:spPr>
-              <p:style>
-                <a:lnRef idx="1">
-                  <a:schemeClr val="accent1"/>
-                </a:lnRef>
-                <a:fillRef idx="3">
-                  <a:schemeClr val="accent1"/>
-                </a:fillRef>
-                <a:effectRef idx="2">
-                  <a:schemeClr val="accent1"/>
-                </a:effectRef>
-                <a:fontRef idx="minor">
-                  <a:schemeClr val="lt1"/>
-                </a:fontRef>
-              </p:style>
-              <p:txBody>
-                <a:bodyPr rtlCol="0" anchor="ctr"/>
-                <a:lstStyle/>
-                <a:p>
-                  <a:pPr algn="r"/>
-                  <a:r>
-                    <a:rPr lang="en-US" dirty="0" smtClean="0"/>
-                    <a:t>Processing Element</a:t>
-                  </a:r>
-                  <a:r>
-                    <a:rPr lang="en-US" baseline="-25000" dirty="0" smtClean="0"/>
-                    <a:t>0</a:t>
-                  </a:r>
-                  <a:endParaRPr lang="en-US" baseline="-25000" dirty="0"/>
-                </a:p>
-              </p:txBody>
-            </p:sp>
-            <p:sp>
-              <p:nvSpPr>
-                <p:cNvPr id="23" name="Rounded Rectangle 22"/>
-                <p:cNvSpPr/>
-                <p:nvPr/>
-              </p:nvSpPr>
-              <p:spPr>
-                <a:xfrm>
-                  <a:off x="1053217" y="1734850"/>
-                  <a:ext cx="2152896" cy="1409550"/>
-                </a:xfrm>
-                <a:prstGeom prst="roundRect">
-                  <a:avLst/>
-                </a:prstGeom>
-              </p:spPr>
-              <p:style>
-                <a:lnRef idx="1">
-                  <a:schemeClr val="accent2"/>
-                </a:lnRef>
-                <a:fillRef idx="2">
-                  <a:schemeClr val="accent2"/>
-                </a:fillRef>
-                <a:effectRef idx="1">
-                  <a:schemeClr val="accent2"/>
-                </a:effectRef>
-                <a:fontRef idx="minor">
-                  <a:schemeClr val="dk1"/>
-                </a:fontRef>
-              </p:style>
-              <p:txBody>
-                <a:bodyPr rtlCol="0" anchor="ctr"/>
-                <a:lstStyle/>
-                <a:p>
-                  <a:pPr algn="ctr"/>
-                  <a:r>
-                    <a:rPr lang="en-US" dirty="0" smtClean="0"/>
-                    <a:t>Static and Global variables</a:t>
-                  </a:r>
-                  <a:endParaRPr lang="en-US" dirty="0"/>
-                </a:p>
-              </p:txBody>
-            </p:sp>
-            <p:sp>
-              <p:nvSpPr>
-                <p:cNvPr id="24" name="Rounded Rectangle 23"/>
-                <p:cNvSpPr/>
-                <p:nvPr/>
-              </p:nvSpPr>
-              <p:spPr>
-                <a:xfrm>
-                  <a:off x="1053217" y="3281306"/>
-                  <a:ext cx="2152896" cy="1409550"/>
-                </a:xfrm>
-                <a:prstGeom prst="roundRect">
-                  <a:avLst/>
-                </a:prstGeom>
-              </p:spPr>
-              <p:style>
-                <a:lnRef idx="1">
-                  <a:schemeClr val="accent2"/>
-                </a:lnRef>
-                <a:fillRef idx="2">
-                  <a:schemeClr val="accent2"/>
-                </a:fillRef>
-                <a:effectRef idx="1">
-                  <a:schemeClr val="accent2"/>
-                </a:effectRef>
-                <a:fontRef idx="minor">
-                  <a:schemeClr val="dk1"/>
-                </a:fontRef>
-              </p:style>
-              <p:txBody>
-                <a:bodyPr rtlCol="0" anchor="ctr"/>
-                <a:lstStyle/>
-                <a:p>
-                  <a:pPr algn="ctr"/>
-                  <a:r>
-                    <a:rPr lang="en-US" dirty="0" smtClean="0"/>
-                    <a:t>Variables on Symmetric Heap</a:t>
-                  </a:r>
-                  <a:endParaRPr lang="en-US" dirty="0"/>
-                </a:p>
-              </p:txBody>
-            </p:sp>
-            <p:sp>
-              <p:nvSpPr>
-                <p:cNvPr id="25" name="Rounded Rectangle 24"/>
-                <p:cNvSpPr/>
-                <p:nvPr/>
-              </p:nvSpPr>
-              <p:spPr>
-                <a:xfrm>
-                  <a:off x="885540" y="5184644"/>
-                  <a:ext cx="1673877" cy="1079281"/>
-                </a:xfrm>
-                <a:prstGeom prst="roundRect">
-                  <a:avLst/>
-                </a:prstGeom>
-              </p:spPr>
-              <p:style>
-                <a:lnRef idx="1">
-                  <a:schemeClr val="accent6"/>
-                </a:lnRef>
-                <a:fillRef idx="2">
-                  <a:schemeClr val="accent6"/>
-                </a:fillRef>
-                <a:effectRef idx="1">
-                  <a:schemeClr val="accent6"/>
-                </a:effectRef>
-                <a:fontRef idx="minor">
-                  <a:schemeClr val="dk1"/>
-                </a:fontRef>
-              </p:style>
-              <p:txBody>
-                <a:bodyPr rtlCol="0" anchor="ctr"/>
-                <a:lstStyle/>
-                <a:p>
-                  <a:pPr algn="ctr"/>
-                  <a:r>
-                    <a:rPr lang="en-US" dirty="0" smtClean="0"/>
-                    <a:t>Local/Stack Variables</a:t>
-                  </a:r>
-                  <a:endParaRPr lang="en-US" dirty="0"/>
-                </a:p>
-              </p:txBody>
-            </p:sp>
-            <p:sp>
-              <p:nvSpPr>
-                <p:cNvPr id="26" name="Frame 25"/>
-                <p:cNvSpPr/>
-                <p:nvPr/>
-              </p:nvSpPr>
-              <p:spPr>
-                <a:xfrm>
-                  <a:off x="774423" y="338608"/>
-                  <a:ext cx="2710481" cy="4618049"/>
-                </a:xfrm>
-                <a:prstGeom prst="frame">
-                  <a:avLst>
-                    <a:gd name="adj1" fmla="val 3929"/>
-                  </a:avLst>
-                </a:prstGeom>
-              </p:spPr>
-              <p:style>
-                <a:lnRef idx="2">
-                  <a:schemeClr val="accent1"/>
-                </a:lnRef>
-                <a:fillRef idx="1">
-                  <a:schemeClr val="lt1"/>
-                </a:fillRef>
-                <a:effectRef idx="0">
-                  <a:schemeClr val="accent1"/>
-                </a:effectRef>
-                <a:fontRef idx="minor">
-                  <a:schemeClr val="dk1"/>
-                </a:fontRef>
-              </p:style>
-              <p:txBody>
-                <a:bodyPr rtlCol="0" anchor="ctr"/>
-                <a:lstStyle/>
-                <a:p>
-                  <a:pPr algn="ctr"/>
-                  <a:endParaRPr lang="en-US">
-                    <a:solidFill>
-                      <a:schemeClr val="tx1"/>
-                    </a:solidFill>
-                  </a:endParaRPr>
-                </a:p>
-              </p:txBody>
-            </p:sp>
-            <p:sp>
-              <p:nvSpPr>
-                <p:cNvPr id="27" name="TextBox 26"/>
-                <p:cNvSpPr txBox="1"/>
-                <p:nvPr/>
-              </p:nvSpPr>
-              <p:spPr>
-                <a:xfrm>
-                  <a:off x="1053218" y="561058"/>
-                  <a:ext cx="2152896" cy="996791"/>
-                </a:xfrm>
-                <a:prstGeom prst="rect">
-                  <a:avLst/>
-                </a:prstGeom>
-                <a:noFill/>
-              </p:spPr>
-              <p:txBody>
-                <a:bodyPr wrap="square" rtlCol="0">
-                  <a:spAutoFit/>
-                </a:bodyPr>
-                <a:lstStyle/>
-                <a:p>
-                  <a:pPr algn="ctr"/>
-                  <a:r>
-                    <a:rPr lang="en-US" sz="1400" b="1" dirty="0" smtClean="0"/>
-                    <a:t>Remotely Accessible Data Objects</a:t>
-                  </a:r>
-                  <a:endParaRPr lang="en-US" sz="1400" b="1" dirty="0"/>
-                </a:p>
-              </p:txBody>
-            </p:sp>
-          </p:grpSp>
-          <p:grpSp>
-            <p:nvGrpSpPr>
-              <p:cNvPr id="15" name="Group 14"/>
-              <p:cNvGrpSpPr/>
-              <p:nvPr/>
-            </p:nvGrpSpPr>
-            <p:grpSpPr>
-              <a:xfrm>
-                <a:off x="4380731" y="1944445"/>
-                <a:ext cx="3456410" cy="4618644"/>
-                <a:chOff x="1424176" y="338608"/>
-                <a:chExt cx="4677515" cy="6232633"/>
-              </a:xfrm>
-            </p:grpSpPr>
-            <p:sp>
-              <p:nvSpPr>
-                <p:cNvPr id="16" name="Rounded Rectangle 15"/>
-                <p:cNvSpPr/>
-                <p:nvPr/>
-              </p:nvSpPr>
-              <p:spPr>
-                <a:xfrm>
-                  <a:off x="1424176" y="5040267"/>
-                  <a:ext cx="4677515" cy="1530974"/>
-                </a:xfrm>
-                <a:prstGeom prst="roundRect">
-                  <a:avLst/>
-                </a:prstGeom>
-              </p:spPr>
-              <p:style>
-                <a:lnRef idx="1">
-                  <a:schemeClr val="accent1"/>
-                </a:lnRef>
-                <a:fillRef idx="3">
-                  <a:schemeClr val="accent1"/>
-                </a:fillRef>
-                <a:effectRef idx="2">
-                  <a:schemeClr val="accent1"/>
-                </a:effectRef>
-                <a:fontRef idx="minor">
-                  <a:schemeClr val="lt1"/>
-                </a:fontRef>
-              </p:style>
-              <p:txBody>
-                <a:bodyPr rtlCol="0" anchor="ctr"/>
-                <a:lstStyle/>
-                <a:p>
-                  <a:pPr algn="r"/>
-                  <a:r>
-                    <a:rPr lang="en-US" dirty="0" smtClean="0"/>
-                    <a:t>Processing Element</a:t>
-                  </a:r>
-                  <a:r>
-                    <a:rPr lang="en-US" baseline="-25000" dirty="0" smtClean="0"/>
-                    <a:t>1</a:t>
-                  </a:r>
-                  <a:endParaRPr lang="en-US" baseline="-25000" dirty="0"/>
-                </a:p>
-              </p:txBody>
-            </p:sp>
-            <p:sp>
-              <p:nvSpPr>
-                <p:cNvPr id="17" name="Rounded Rectangle 16"/>
-                <p:cNvSpPr/>
-                <p:nvPr/>
-              </p:nvSpPr>
-              <p:spPr>
-                <a:xfrm>
-                  <a:off x="1702971" y="1734850"/>
-                  <a:ext cx="2152899" cy="1409550"/>
-                </a:xfrm>
-                <a:prstGeom prst="roundRect">
-                  <a:avLst/>
-                </a:prstGeom>
-              </p:spPr>
-              <p:style>
-                <a:lnRef idx="1">
-                  <a:schemeClr val="accent2"/>
-                </a:lnRef>
-                <a:fillRef idx="2">
-                  <a:schemeClr val="accent2"/>
-                </a:fillRef>
-                <a:effectRef idx="1">
-                  <a:schemeClr val="accent2"/>
-                </a:effectRef>
-                <a:fontRef idx="minor">
-                  <a:schemeClr val="dk1"/>
-                </a:fontRef>
-              </p:style>
-              <p:txBody>
-                <a:bodyPr rtlCol="0" anchor="ctr"/>
-                <a:lstStyle/>
-                <a:p>
-                  <a:pPr algn="ctr"/>
-                  <a:r>
-                    <a:rPr lang="en-US" dirty="0" smtClean="0"/>
-                    <a:t>Static and Global variables</a:t>
-                  </a:r>
-                  <a:endParaRPr lang="en-US" dirty="0"/>
-                </a:p>
-              </p:txBody>
-            </p:sp>
-            <p:sp>
-              <p:nvSpPr>
-                <p:cNvPr id="18" name="Rounded Rectangle 17"/>
-                <p:cNvSpPr/>
-                <p:nvPr/>
-              </p:nvSpPr>
-              <p:spPr>
-                <a:xfrm>
-                  <a:off x="1723936" y="3281306"/>
-                  <a:ext cx="2152893" cy="1409550"/>
-                </a:xfrm>
-                <a:prstGeom prst="roundRect">
-                  <a:avLst/>
-                </a:prstGeom>
-              </p:spPr>
-              <p:style>
-                <a:lnRef idx="1">
-                  <a:schemeClr val="accent2"/>
-                </a:lnRef>
-                <a:fillRef idx="2">
-                  <a:schemeClr val="accent2"/>
-                </a:fillRef>
-                <a:effectRef idx="1">
-                  <a:schemeClr val="accent2"/>
-                </a:effectRef>
-                <a:fontRef idx="minor">
-                  <a:schemeClr val="dk1"/>
-                </a:fontRef>
-              </p:style>
-              <p:txBody>
-                <a:bodyPr rtlCol="0" anchor="ctr"/>
-                <a:lstStyle/>
-                <a:p>
-                  <a:pPr algn="ctr"/>
-                  <a:r>
-                    <a:rPr lang="en-US" dirty="0" smtClean="0"/>
-                    <a:t>Variables on Symmetric Heap</a:t>
-                  </a:r>
-                  <a:endParaRPr lang="en-US" dirty="0"/>
-                </a:p>
-              </p:txBody>
-            </p:sp>
-            <p:sp>
-              <p:nvSpPr>
-                <p:cNvPr id="19" name="Rounded Rectangle 18"/>
-                <p:cNvSpPr/>
-                <p:nvPr/>
-              </p:nvSpPr>
-              <p:spPr>
-                <a:xfrm>
-                  <a:off x="1535298" y="5173510"/>
-                  <a:ext cx="1673874" cy="1079281"/>
-                </a:xfrm>
-                <a:prstGeom prst="roundRect">
-                  <a:avLst/>
-                </a:prstGeom>
-              </p:spPr>
-              <p:style>
-                <a:lnRef idx="1">
-                  <a:schemeClr val="accent6"/>
-                </a:lnRef>
-                <a:fillRef idx="2">
-                  <a:schemeClr val="accent6"/>
-                </a:fillRef>
-                <a:effectRef idx="1">
-                  <a:schemeClr val="accent6"/>
-                </a:effectRef>
-                <a:fontRef idx="minor">
-                  <a:schemeClr val="dk1"/>
-                </a:fontRef>
-              </p:style>
-              <p:txBody>
-                <a:bodyPr rtlCol="0" anchor="ctr"/>
-                <a:lstStyle/>
-                <a:p>
-                  <a:pPr algn="ctr"/>
-                  <a:r>
-                    <a:rPr lang="en-US" dirty="0" smtClean="0"/>
-                    <a:t>Local/Stack Variables</a:t>
-                  </a:r>
-                  <a:endParaRPr lang="en-US" dirty="0"/>
-                </a:p>
-              </p:txBody>
-            </p:sp>
-            <p:sp>
-              <p:nvSpPr>
-                <p:cNvPr id="20" name="Frame 19"/>
-                <p:cNvSpPr/>
-                <p:nvPr/>
-              </p:nvSpPr>
-              <p:spPr>
-                <a:xfrm>
-                  <a:off x="1424176" y="338608"/>
-                  <a:ext cx="2710485" cy="4618049"/>
-                </a:xfrm>
-                <a:prstGeom prst="frame">
-                  <a:avLst>
-                    <a:gd name="adj1" fmla="val 3929"/>
-                  </a:avLst>
-                </a:prstGeom>
-              </p:spPr>
-              <p:style>
-                <a:lnRef idx="2">
-                  <a:schemeClr val="accent1"/>
-                </a:lnRef>
-                <a:fillRef idx="1">
-                  <a:schemeClr val="lt1"/>
-                </a:fillRef>
-                <a:effectRef idx="0">
-                  <a:schemeClr val="accent1"/>
-                </a:effectRef>
-                <a:fontRef idx="minor">
-                  <a:schemeClr val="dk1"/>
-                </a:fontRef>
-              </p:style>
-              <p:txBody>
-                <a:bodyPr rtlCol="0" anchor="ctr"/>
-                <a:lstStyle/>
-                <a:p>
-                  <a:pPr algn="ctr"/>
-                  <a:endParaRPr lang="en-US">
-                    <a:solidFill>
-                      <a:schemeClr val="tx1"/>
-                    </a:solidFill>
-                  </a:endParaRPr>
-                </a:p>
-              </p:txBody>
-            </p:sp>
-            <p:sp>
-              <p:nvSpPr>
-                <p:cNvPr id="21" name="TextBox 20"/>
-                <p:cNvSpPr txBox="1"/>
-                <p:nvPr/>
-              </p:nvSpPr>
-              <p:spPr>
-                <a:xfrm>
-                  <a:off x="1723936" y="561058"/>
-                  <a:ext cx="2152893" cy="996791"/>
-                </a:xfrm>
-                <a:prstGeom prst="rect">
-                  <a:avLst/>
-                </a:prstGeom>
-                <a:noFill/>
-              </p:spPr>
-              <p:txBody>
-                <a:bodyPr wrap="square" rtlCol="0">
-                  <a:spAutoFit/>
-                </a:bodyPr>
-                <a:lstStyle/>
-                <a:p>
-                  <a:pPr algn="ctr"/>
-                  <a:r>
-                    <a:rPr lang="en-US" sz="1400" b="1" dirty="0" smtClean="0"/>
-                    <a:t>Remotely Accessible Data Objects</a:t>
-                  </a:r>
-                  <a:endParaRPr lang="en-US" sz="1400" b="1" dirty="0"/>
-                </a:p>
-              </p:txBody>
-            </p:sp>
-          </p:grpSp>
-        </p:grpSp>
-        <p:grpSp>
-          <p:nvGrpSpPr>
-            <p:cNvPr id="4" name="Group 3"/>
-            <p:cNvGrpSpPr/>
+            <a:prstGeom prst="roundRect">
+              <a:avLst/>
+            </a:prstGeom>
+          </p:spPr>
+          <p:style>
+            <a:lnRef idx="1">
+              <a:schemeClr val="accent2"/>
+            </a:lnRef>
+            <a:fillRef idx="2">
+              <a:schemeClr val="accent2"/>
+            </a:fillRef>
+            <a:effectRef idx="1">
+              <a:schemeClr val="accent2"/>
+            </a:effectRef>
+            <a:fontRef idx="minor">
+              <a:schemeClr val="dk1"/>
+            </a:fontRef>
+          </p:style>
+          <p:txBody>
+            <a:bodyPr rtlCol="0" anchor="ctr"/>
+            <a:lstStyle/>
+            <a:p>
+              <a:pPr algn="ctr"/>
+              <a:r>
+                <a:rPr lang="en-US" dirty="0" smtClean="0"/>
+                <a:t>Static and Global variables</a:t>
+              </a:r>
+              <a:endParaRPr lang="en-US" dirty="0"/>
+            </a:p>
+          </p:txBody>
+        </p:sp>
+        <p:sp>
+          <p:nvSpPr>
+            <p:cNvPr id="24" name="Rounded Rectangle 23"/>
+            <p:cNvSpPr/>
             <p:nvPr/>
-          </p:nvGrpSpPr>
-          <p:grpSpPr>
+          </p:nvSpPr>
+          <p:spPr>
             <a:xfrm>
-              <a:off x="170373" y="1485569"/>
-              <a:ext cx="3730235" cy="5262575"/>
-              <a:chOff x="170373" y="1595425"/>
-              <a:chExt cx="3730235" cy="5262575"/>
+              <a:off x="1053218" y="2428751"/>
+              <a:ext cx="2152895" cy="1409550"/>
             </a:xfrm>
-          </p:grpSpPr>
-          <p:cxnSp>
-            <p:nvCxnSpPr>
-              <p:cNvPr id="10" name="Straight Connector 9"/>
-              <p:cNvCxnSpPr/>
-              <p:nvPr/>
-            </p:nvCxnSpPr>
-            <p:spPr>
-              <a:xfrm flipV="1">
-                <a:off x="170373" y="1595425"/>
-                <a:ext cx="3730235" cy="15489"/>
-              </a:xfrm>
-              <a:prstGeom prst="line">
-                <a:avLst/>
-              </a:prstGeom>
-              <a:ln>
-                <a:prstDash val="sysDash"/>
-              </a:ln>
-            </p:spPr>
-            <p:style>
-              <a:lnRef idx="2">
-                <a:schemeClr val="accent1"/>
-              </a:lnRef>
-              <a:fillRef idx="0">
-                <a:schemeClr val="accent1"/>
-              </a:fillRef>
-              <a:effectRef idx="1">
-                <a:schemeClr val="accent1"/>
-              </a:effectRef>
-              <a:fontRef idx="minor">
-                <a:schemeClr val="tx1"/>
-              </a:fontRef>
-            </p:style>
-          </p:cxnSp>
-          <p:cxnSp>
-            <p:nvCxnSpPr>
-              <p:cNvPr id="11" name="Straight Connector 10"/>
-              <p:cNvCxnSpPr/>
-              <p:nvPr/>
-            </p:nvCxnSpPr>
-            <p:spPr>
-              <a:xfrm>
-                <a:off x="3900608" y="1610914"/>
-                <a:ext cx="0" cy="5247086"/>
-              </a:xfrm>
-              <a:prstGeom prst="line">
-                <a:avLst/>
-              </a:prstGeom>
-              <a:ln>
-                <a:prstDash val="sysDash"/>
-              </a:ln>
-            </p:spPr>
-            <p:style>
-              <a:lnRef idx="2">
-                <a:schemeClr val="accent1"/>
-              </a:lnRef>
-              <a:fillRef idx="0">
-                <a:schemeClr val="accent1"/>
-              </a:fillRef>
-              <a:effectRef idx="1">
-                <a:schemeClr val="accent1"/>
-              </a:effectRef>
-              <a:fontRef idx="minor">
-                <a:schemeClr val="tx1"/>
-              </a:fontRef>
-            </p:style>
-          </p:cxnSp>
-          <p:cxnSp>
-            <p:nvCxnSpPr>
-              <p:cNvPr id="12" name="Straight Connector 11"/>
-              <p:cNvCxnSpPr/>
-              <p:nvPr/>
-            </p:nvCxnSpPr>
-            <p:spPr>
-              <a:xfrm>
-                <a:off x="170373" y="1610914"/>
-                <a:ext cx="0" cy="5247086"/>
-              </a:xfrm>
-              <a:prstGeom prst="line">
-                <a:avLst/>
-              </a:prstGeom>
-              <a:ln>
-                <a:prstDash val="sysDash"/>
-              </a:ln>
-            </p:spPr>
-            <p:style>
-              <a:lnRef idx="2">
-                <a:schemeClr val="accent1"/>
-              </a:lnRef>
-              <a:fillRef idx="0">
-                <a:schemeClr val="accent1"/>
-              </a:fillRef>
-              <a:effectRef idx="1">
-                <a:schemeClr val="accent1"/>
-              </a:effectRef>
-              <a:fontRef idx="minor">
-                <a:schemeClr val="tx1"/>
-              </a:fontRef>
-            </p:style>
-          </p:cxnSp>
-          <p:cxnSp>
-            <p:nvCxnSpPr>
-              <p:cNvPr id="13" name="Straight Connector 12"/>
-              <p:cNvCxnSpPr/>
-              <p:nvPr/>
-            </p:nvCxnSpPr>
-            <p:spPr>
-              <a:xfrm>
-                <a:off x="170373" y="6858000"/>
-                <a:ext cx="3730235" cy="0"/>
-              </a:xfrm>
-              <a:prstGeom prst="line">
-                <a:avLst/>
-              </a:prstGeom>
-              <a:ln>
-                <a:prstDash val="sysDash"/>
-              </a:ln>
-            </p:spPr>
-            <p:style>
-              <a:lnRef idx="2">
-                <a:schemeClr val="accent1"/>
-              </a:lnRef>
-              <a:fillRef idx="0">
-                <a:schemeClr val="accent1"/>
-              </a:fillRef>
-              <a:effectRef idx="1">
-                <a:schemeClr val="accent1"/>
-              </a:effectRef>
-              <a:fontRef idx="minor">
-                <a:schemeClr val="tx1"/>
-              </a:fontRef>
-            </p:style>
-          </p:cxnSp>
-        </p:grpSp>
-        <p:grpSp>
-          <p:nvGrpSpPr>
-            <p:cNvPr id="5" name="Group 4"/>
-            <p:cNvGrpSpPr/>
+            <a:prstGeom prst="roundRect">
+              <a:avLst/>
+            </a:prstGeom>
+          </p:spPr>
+          <p:style>
+            <a:lnRef idx="1">
+              <a:schemeClr val="accent2"/>
+            </a:lnRef>
+            <a:fillRef idx="2">
+              <a:schemeClr val="accent2"/>
+            </a:fillRef>
+            <a:effectRef idx="1">
+              <a:schemeClr val="accent2"/>
+            </a:effectRef>
+            <a:fontRef idx="minor">
+              <a:schemeClr val="dk1"/>
+            </a:fontRef>
+          </p:style>
+          <p:txBody>
+            <a:bodyPr rtlCol="0" anchor="ctr"/>
+            <a:lstStyle/>
+            <a:p>
+              <a:pPr algn="ctr"/>
+              <a:r>
+                <a:rPr lang="en-US" dirty="0" smtClean="0"/>
+                <a:t>Variables on Symmetric Heap</a:t>
+              </a:r>
+              <a:endParaRPr lang="en-US" dirty="0"/>
+            </a:p>
+          </p:txBody>
+        </p:sp>
+        <p:sp>
+          <p:nvSpPr>
+            <p:cNvPr id="25" name="Rounded Rectangle 24"/>
+            <p:cNvSpPr/>
             <p:nvPr/>
-          </p:nvGrpSpPr>
-          <p:grpSpPr>
+          </p:nvSpPr>
+          <p:spPr>
             <a:xfrm>
-              <a:off x="4230810" y="1466155"/>
-              <a:ext cx="3730235" cy="5262575"/>
-              <a:chOff x="170373" y="1595425"/>
-              <a:chExt cx="3730235" cy="5262575"/>
+              <a:off x="1053218" y="4866196"/>
+              <a:ext cx="2269679" cy="1397731"/>
             </a:xfrm>
-          </p:grpSpPr>
-          <p:cxnSp>
-            <p:nvCxnSpPr>
-              <p:cNvPr id="6" name="Straight Connector 5"/>
-              <p:cNvCxnSpPr/>
-              <p:nvPr/>
-            </p:nvCxnSpPr>
-            <p:spPr>
-              <a:xfrm flipV="1">
-                <a:off x="170373" y="1595425"/>
-                <a:ext cx="3730235" cy="15489"/>
-              </a:xfrm>
-              <a:prstGeom prst="line">
-                <a:avLst/>
-              </a:prstGeom>
-              <a:ln>
-                <a:prstDash val="sysDash"/>
-              </a:ln>
-            </p:spPr>
-            <p:style>
-              <a:lnRef idx="2">
-                <a:schemeClr val="accent1"/>
-              </a:lnRef>
-              <a:fillRef idx="0">
-                <a:schemeClr val="accent1"/>
-              </a:fillRef>
-              <a:effectRef idx="1">
-                <a:schemeClr val="accent1"/>
-              </a:effectRef>
-              <a:fontRef idx="minor">
-                <a:schemeClr val="tx1"/>
-              </a:fontRef>
-            </p:style>
-          </p:cxnSp>
-          <p:cxnSp>
-            <p:nvCxnSpPr>
-              <p:cNvPr id="7" name="Straight Connector 6"/>
-              <p:cNvCxnSpPr/>
-              <p:nvPr/>
-            </p:nvCxnSpPr>
-            <p:spPr>
-              <a:xfrm>
-                <a:off x="3900608" y="1610914"/>
-                <a:ext cx="0" cy="5247086"/>
-              </a:xfrm>
-              <a:prstGeom prst="line">
-                <a:avLst/>
-              </a:prstGeom>
-              <a:ln>
-                <a:prstDash val="sysDash"/>
-              </a:ln>
-            </p:spPr>
-            <p:style>
-              <a:lnRef idx="2">
-                <a:schemeClr val="accent1"/>
-              </a:lnRef>
-              <a:fillRef idx="0">
-                <a:schemeClr val="accent1"/>
-              </a:fillRef>
-              <a:effectRef idx="1">
-                <a:schemeClr val="accent1"/>
-              </a:effectRef>
-              <a:fontRef idx="minor">
-                <a:schemeClr val="tx1"/>
-              </a:fontRef>
-            </p:style>
-          </p:cxnSp>
-          <p:cxnSp>
-            <p:nvCxnSpPr>
-              <p:cNvPr id="8" name="Straight Connector 7"/>
-              <p:cNvCxnSpPr/>
-              <p:nvPr/>
-            </p:nvCxnSpPr>
-            <p:spPr>
-              <a:xfrm>
-                <a:off x="170373" y="1610914"/>
-                <a:ext cx="0" cy="5247086"/>
-              </a:xfrm>
-              <a:prstGeom prst="line">
-                <a:avLst/>
-              </a:prstGeom>
-              <a:ln>
-                <a:prstDash val="sysDash"/>
-              </a:ln>
-            </p:spPr>
-            <p:style>
-              <a:lnRef idx="2">
-                <a:schemeClr val="accent1"/>
-              </a:lnRef>
-              <a:fillRef idx="0">
-                <a:schemeClr val="accent1"/>
-              </a:fillRef>
-              <a:effectRef idx="1">
-                <a:schemeClr val="accent1"/>
-              </a:effectRef>
-              <a:fontRef idx="minor">
-                <a:schemeClr val="tx1"/>
-              </a:fontRef>
-            </p:style>
-          </p:cxnSp>
-          <p:cxnSp>
-            <p:nvCxnSpPr>
-              <p:cNvPr id="9" name="Straight Connector 8"/>
-              <p:cNvCxnSpPr/>
-              <p:nvPr/>
-            </p:nvCxnSpPr>
-            <p:spPr>
-              <a:xfrm>
-                <a:off x="170373" y="6858000"/>
-                <a:ext cx="3730235" cy="0"/>
-              </a:xfrm>
-              <a:prstGeom prst="line">
-                <a:avLst/>
-              </a:prstGeom>
-              <a:ln>
-                <a:prstDash val="sysDash"/>
-              </a:ln>
-            </p:spPr>
-            <p:style>
-              <a:lnRef idx="2">
-                <a:schemeClr val="accent1"/>
-              </a:lnRef>
-              <a:fillRef idx="0">
-                <a:schemeClr val="accent1"/>
-              </a:fillRef>
-              <a:effectRef idx="1">
-                <a:schemeClr val="accent1"/>
-              </a:effectRef>
-              <a:fontRef idx="minor">
-                <a:schemeClr val="tx1"/>
-              </a:fontRef>
-            </p:style>
-          </p:cxnSp>
-        </p:grpSp>
+            <a:prstGeom prst="roundRect">
+              <a:avLst/>
+            </a:prstGeom>
+          </p:spPr>
+          <p:style>
+            <a:lnRef idx="1">
+              <a:schemeClr val="accent6"/>
+            </a:lnRef>
+            <a:fillRef idx="2">
+              <a:schemeClr val="accent6"/>
+            </a:fillRef>
+            <a:effectRef idx="1">
+              <a:schemeClr val="accent6"/>
+            </a:effectRef>
+            <a:fontRef idx="minor">
+              <a:schemeClr val="dk1"/>
+            </a:fontRef>
+          </p:style>
+          <p:txBody>
+            <a:bodyPr rtlCol="0" anchor="ctr"/>
+            <a:lstStyle/>
+            <a:p>
+              <a:pPr algn="ctr"/>
+              <a:r>
+                <a:rPr lang="en-US" dirty="0" smtClean="0"/>
+                <a:t>Local </a:t>
+              </a:r>
+            </a:p>
+            <a:p>
+              <a:pPr algn="ctr"/>
+              <a:r>
+                <a:rPr lang="en-US" dirty="0" smtClean="0"/>
+                <a:t>Variables</a:t>
+              </a:r>
+              <a:endParaRPr lang="en-US" dirty="0"/>
+            </a:p>
+          </p:txBody>
+        </p:sp>
+        <p:sp>
+          <p:nvSpPr>
+            <p:cNvPr id="27" name="TextBox 26"/>
+            <p:cNvSpPr txBox="1"/>
+            <p:nvPr/>
+          </p:nvSpPr>
+          <p:spPr>
+            <a:xfrm>
+              <a:off x="795080" y="-25278"/>
+              <a:ext cx="2986083" cy="706060"/>
+            </a:xfrm>
+            <a:prstGeom prst="rect">
+              <a:avLst/>
+            </a:prstGeom>
+            <a:noFill/>
+          </p:spPr>
+          <p:txBody>
+            <a:bodyPr wrap="square" rtlCol="0">
+              <a:spAutoFit/>
+            </a:bodyPr>
+            <a:lstStyle/>
+            <a:p>
+              <a:pPr algn="ctr"/>
+              <a:r>
+                <a:rPr lang="en-US" sz="1400" b="1" dirty="0" smtClean="0"/>
+                <a:t>Remotely Accessible </a:t>
+              </a:r>
+              <a:endParaRPr lang="en-US" sz="1400" b="1" dirty="0" smtClean="0"/>
+            </a:p>
+            <a:p>
+              <a:pPr algn="ctr"/>
+              <a:r>
+                <a:rPr lang="en-US" sz="1400" b="1" dirty="0" smtClean="0"/>
+                <a:t>Symmetric Data </a:t>
+              </a:r>
+              <a:r>
+                <a:rPr lang="en-US" sz="1400" b="1" dirty="0" smtClean="0"/>
+                <a:t>Objects</a:t>
+              </a:r>
+              <a:endParaRPr lang="en-US" sz="1400" b="1" dirty="0"/>
+            </a:p>
+          </p:txBody>
+        </p:sp>
       </p:grpSp>
+      <p:cxnSp>
+        <p:nvCxnSpPr>
+          <p:cNvPr id="10" name="Straight Connector 9"/>
+          <p:cNvCxnSpPr/>
+          <p:nvPr/>
+        </p:nvCxnSpPr>
+        <p:spPr>
+          <a:xfrm flipV="1">
+            <a:off x="426841" y="357504"/>
+            <a:ext cx="2343229" cy="15462"/>
+          </a:xfrm>
+          <a:prstGeom prst="line">
+            <a:avLst/>
+          </a:prstGeom>
+          <a:ln>
+            <a:prstDash val="sysDash"/>
+          </a:ln>
+        </p:spPr>
+        <p:style>
+          <a:lnRef idx="2">
+            <a:schemeClr val="accent1"/>
+          </a:lnRef>
+          <a:fillRef idx="0">
+            <a:schemeClr val="accent1"/>
+          </a:fillRef>
+          <a:effectRef idx="1">
+            <a:schemeClr val="accent1"/>
+          </a:effectRef>
+          <a:fontRef idx="minor">
+            <a:schemeClr val="tx1"/>
+          </a:fontRef>
+        </p:style>
+      </p:cxnSp>
+      <p:cxnSp>
+        <p:nvCxnSpPr>
+          <p:cNvPr id="12" name="Straight Connector 11"/>
+          <p:cNvCxnSpPr/>
+          <p:nvPr/>
+        </p:nvCxnSpPr>
+        <p:spPr>
+          <a:xfrm>
+            <a:off x="426841" y="372965"/>
+            <a:ext cx="2743" cy="5009812"/>
+          </a:xfrm>
+          <a:prstGeom prst="line">
+            <a:avLst/>
+          </a:prstGeom>
+          <a:ln>
+            <a:prstDash val="sysDash"/>
+          </a:ln>
+        </p:spPr>
+        <p:style>
+          <a:lnRef idx="2">
+            <a:schemeClr val="accent1"/>
+          </a:lnRef>
+          <a:fillRef idx="0">
+            <a:schemeClr val="accent1"/>
+          </a:fillRef>
+          <a:effectRef idx="1">
+            <a:schemeClr val="accent1"/>
+          </a:effectRef>
+          <a:fontRef idx="minor">
+            <a:schemeClr val="tx1"/>
+          </a:fontRef>
+        </p:style>
+      </p:cxnSp>
+      <p:cxnSp>
+        <p:nvCxnSpPr>
+          <p:cNvPr id="13" name="Straight Connector 12"/>
+          <p:cNvCxnSpPr/>
+          <p:nvPr/>
+        </p:nvCxnSpPr>
+        <p:spPr>
+          <a:xfrm>
+            <a:off x="426841" y="5382777"/>
+            <a:ext cx="2340486" cy="0"/>
+          </a:xfrm>
+          <a:prstGeom prst="line">
+            <a:avLst/>
+          </a:prstGeom>
+          <a:ln>
+            <a:prstDash val="sysDash"/>
+          </a:ln>
+        </p:spPr>
+        <p:style>
+          <a:lnRef idx="2">
+            <a:schemeClr val="accent1"/>
+          </a:lnRef>
+          <a:fillRef idx="0">
+            <a:schemeClr val="accent1"/>
+          </a:fillRef>
+          <a:effectRef idx="1">
+            <a:schemeClr val="accent1"/>
+          </a:effectRef>
+          <a:fontRef idx="minor">
+            <a:schemeClr val="tx1"/>
+          </a:fontRef>
+        </p:style>
+      </p:cxnSp>
+      <p:sp>
+        <p:nvSpPr>
+          <p:cNvPr id="30" name="TextBox 29"/>
+          <p:cNvSpPr txBox="1"/>
+          <p:nvPr/>
+        </p:nvSpPr>
+        <p:spPr>
+          <a:xfrm>
+            <a:off x="426841" y="3515934"/>
+            <a:ext cx="2206541" cy="525749"/>
+          </a:xfrm>
+          <a:prstGeom prst="rect">
+            <a:avLst/>
+          </a:prstGeom>
+          <a:noFill/>
+        </p:spPr>
+        <p:txBody>
+          <a:bodyPr wrap="square" rtlCol="0">
+            <a:spAutoFit/>
+          </a:bodyPr>
+          <a:lstStyle/>
+          <a:p>
+            <a:pPr algn="ctr"/>
+            <a:r>
+              <a:rPr lang="en-US" sz="1400" b="1" dirty="0" smtClean="0"/>
+              <a:t>Local </a:t>
+            </a:r>
+            <a:r>
+              <a:rPr lang="en-US" sz="1400" b="1" dirty="0" smtClean="0"/>
+              <a:t>Accessible </a:t>
+            </a:r>
+            <a:endParaRPr lang="en-US" sz="1400" b="1" dirty="0" smtClean="0"/>
+          </a:p>
+          <a:p>
+            <a:pPr algn="ctr"/>
+            <a:r>
+              <a:rPr lang="en-US" sz="1400" b="1" dirty="0" smtClean="0"/>
+              <a:t>Data </a:t>
+            </a:r>
+            <a:r>
+              <a:rPr lang="en-US" sz="1400" b="1" dirty="0" smtClean="0"/>
+              <a:t>Objects</a:t>
+            </a:r>
+            <a:endParaRPr lang="en-US" sz="1400" b="1" dirty="0"/>
+          </a:p>
+        </p:txBody>
+      </p:sp>
+      <p:grpSp>
+        <p:nvGrpSpPr>
+          <p:cNvPr id="60" name="Group 59"/>
+          <p:cNvGrpSpPr/>
+          <p:nvPr/>
+        </p:nvGrpSpPr>
+        <p:grpSpPr>
+          <a:xfrm>
+            <a:off x="2930500" y="504636"/>
+            <a:ext cx="2206541" cy="4652150"/>
+            <a:chOff x="795080" y="-25278"/>
+            <a:chExt cx="2986083" cy="6289205"/>
+          </a:xfrm>
+        </p:grpSpPr>
+        <p:sp>
+          <p:nvSpPr>
+            <p:cNvPr id="61" name="Rounded Rectangle 60"/>
+            <p:cNvSpPr/>
+            <p:nvPr/>
+          </p:nvSpPr>
+          <p:spPr>
+            <a:xfrm>
+              <a:off x="1053218" y="864208"/>
+              <a:ext cx="2152895" cy="1409550"/>
+            </a:xfrm>
+            <a:prstGeom prst="roundRect">
+              <a:avLst/>
+            </a:prstGeom>
+          </p:spPr>
+          <p:style>
+            <a:lnRef idx="1">
+              <a:schemeClr val="accent2"/>
+            </a:lnRef>
+            <a:fillRef idx="2">
+              <a:schemeClr val="accent2"/>
+            </a:fillRef>
+            <a:effectRef idx="1">
+              <a:schemeClr val="accent2"/>
+            </a:effectRef>
+            <a:fontRef idx="minor">
+              <a:schemeClr val="dk1"/>
+            </a:fontRef>
+          </p:style>
+          <p:txBody>
+            <a:bodyPr rtlCol="0" anchor="ctr"/>
+            <a:lstStyle/>
+            <a:p>
+              <a:pPr algn="ctr"/>
+              <a:r>
+                <a:rPr lang="en-US" dirty="0" smtClean="0"/>
+                <a:t>Static and Global variables</a:t>
+              </a:r>
+              <a:endParaRPr lang="en-US" dirty="0"/>
+            </a:p>
+          </p:txBody>
+        </p:sp>
+        <p:sp>
+          <p:nvSpPr>
+            <p:cNvPr id="62" name="Rounded Rectangle 61"/>
+            <p:cNvSpPr/>
+            <p:nvPr/>
+          </p:nvSpPr>
+          <p:spPr>
+            <a:xfrm>
+              <a:off x="1053218" y="2428751"/>
+              <a:ext cx="2152895" cy="1409550"/>
+            </a:xfrm>
+            <a:prstGeom prst="roundRect">
+              <a:avLst/>
+            </a:prstGeom>
+          </p:spPr>
+          <p:style>
+            <a:lnRef idx="1">
+              <a:schemeClr val="accent2"/>
+            </a:lnRef>
+            <a:fillRef idx="2">
+              <a:schemeClr val="accent2"/>
+            </a:fillRef>
+            <a:effectRef idx="1">
+              <a:schemeClr val="accent2"/>
+            </a:effectRef>
+            <a:fontRef idx="minor">
+              <a:schemeClr val="dk1"/>
+            </a:fontRef>
+          </p:style>
+          <p:txBody>
+            <a:bodyPr rtlCol="0" anchor="ctr"/>
+            <a:lstStyle/>
+            <a:p>
+              <a:pPr algn="ctr"/>
+              <a:r>
+                <a:rPr lang="en-US" dirty="0" smtClean="0"/>
+                <a:t>Variables on Symmetric Heap</a:t>
+              </a:r>
+              <a:endParaRPr lang="en-US" dirty="0"/>
+            </a:p>
+          </p:txBody>
+        </p:sp>
+        <p:sp>
+          <p:nvSpPr>
+            <p:cNvPr id="63" name="Rounded Rectangle 62"/>
+            <p:cNvSpPr/>
+            <p:nvPr/>
+          </p:nvSpPr>
+          <p:spPr>
+            <a:xfrm>
+              <a:off x="1053218" y="4866196"/>
+              <a:ext cx="2269679" cy="1397731"/>
+            </a:xfrm>
+            <a:prstGeom prst="roundRect">
+              <a:avLst/>
+            </a:prstGeom>
+          </p:spPr>
+          <p:style>
+            <a:lnRef idx="1">
+              <a:schemeClr val="accent6"/>
+            </a:lnRef>
+            <a:fillRef idx="2">
+              <a:schemeClr val="accent6"/>
+            </a:fillRef>
+            <a:effectRef idx="1">
+              <a:schemeClr val="accent6"/>
+            </a:effectRef>
+            <a:fontRef idx="minor">
+              <a:schemeClr val="dk1"/>
+            </a:fontRef>
+          </p:style>
+          <p:txBody>
+            <a:bodyPr rtlCol="0" anchor="ctr"/>
+            <a:lstStyle/>
+            <a:p>
+              <a:pPr algn="ctr"/>
+              <a:r>
+                <a:rPr lang="en-US" dirty="0" smtClean="0"/>
+                <a:t>Local </a:t>
+              </a:r>
+            </a:p>
+            <a:p>
+              <a:pPr algn="ctr"/>
+              <a:r>
+                <a:rPr lang="en-US" dirty="0" smtClean="0"/>
+                <a:t>Variables</a:t>
+              </a:r>
+              <a:endParaRPr lang="en-US" dirty="0"/>
+            </a:p>
+          </p:txBody>
+        </p:sp>
+        <p:sp>
+          <p:nvSpPr>
+            <p:cNvPr id="64" name="TextBox 63"/>
+            <p:cNvSpPr txBox="1"/>
+            <p:nvPr/>
+          </p:nvSpPr>
+          <p:spPr>
+            <a:xfrm>
+              <a:off x="795080" y="-25278"/>
+              <a:ext cx="2986083" cy="706060"/>
+            </a:xfrm>
+            <a:prstGeom prst="rect">
+              <a:avLst/>
+            </a:prstGeom>
+            <a:noFill/>
+          </p:spPr>
+          <p:txBody>
+            <a:bodyPr wrap="square" rtlCol="0">
+              <a:spAutoFit/>
+            </a:bodyPr>
+            <a:lstStyle/>
+            <a:p>
+              <a:pPr algn="ctr"/>
+              <a:r>
+                <a:rPr lang="en-US" sz="1400" b="1" dirty="0" smtClean="0"/>
+                <a:t>Remotely Accessible </a:t>
+              </a:r>
+              <a:endParaRPr lang="en-US" sz="1400" b="1" dirty="0" smtClean="0"/>
+            </a:p>
+            <a:p>
+              <a:pPr algn="ctr"/>
+              <a:r>
+                <a:rPr lang="en-US" sz="1400" b="1" dirty="0" smtClean="0"/>
+                <a:t>Symmetric Data </a:t>
+              </a:r>
+              <a:r>
+                <a:rPr lang="en-US" sz="1400" b="1" dirty="0" smtClean="0"/>
+                <a:t>Objects</a:t>
+              </a:r>
+              <a:endParaRPr lang="en-US" sz="1400" b="1" dirty="0"/>
+            </a:p>
+          </p:txBody>
+        </p:sp>
+      </p:grpSp>
+      <p:cxnSp>
+        <p:nvCxnSpPr>
+          <p:cNvPr id="65" name="Straight Connector 64"/>
+          <p:cNvCxnSpPr/>
+          <p:nvPr/>
+        </p:nvCxnSpPr>
+        <p:spPr>
+          <a:xfrm flipV="1">
+            <a:off x="2793813" y="349773"/>
+            <a:ext cx="2343229" cy="15462"/>
+          </a:xfrm>
+          <a:prstGeom prst="line">
+            <a:avLst/>
+          </a:prstGeom>
+          <a:ln>
+            <a:prstDash val="sysDash"/>
+          </a:ln>
+        </p:spPr>
+        <p:style>
+          <a:lnRef idx="2">
+            <a:schemeClr val="accent1"/>
+          </a:lnRef>
+          <a:fillRef idx="0">
+            <a:schemeClr val="accent1"/>
+          </a:fillRef>
+          <a:effectRef idx="1">
+            <a:schemeClr val="accent1"/>
+          </a:effectRef>
+          <a:fontRef idx="minor">
+            <a:schemeClr val="tx1"/>
+          </a:fontRef>
+        </p:style>
+      </p:cxnSp>
+      <p:cxnSp>
+        <p:nvCxnSpPr>
+          <p:cNvPr id="66" name="Straight Connector 65"/>
+          <p:cNvCxnSpPr/>
+          <p:nvPr/>
+        </p:nvCxnSpPr>
+        <p:spPr>
+          <a:xfrm flipH="1">
+            <a:off x="5137042" y="303284"/>
+            <a:ext cx="1" cy="5044652"/>
+          </a:xfrm>
+          <a:prstGeom prst="line">
+            <a:avLst/>
+          </a:prstGeom>
+          <a:ln>
+            <a:prstDash val="sysDash"/>
+          </a:ln>
+        </p:spPr>
+        <p:style>
+          <a:lnRef idx="2">
+            <a:schemeClr val="accent1"/>
+          </a:lnRef>
+          <a:fillRef idx="0">
+            <a:schemeClr val="accent1"/>
+          </a:fillRef>
+          <a:effectRef idx="1">
+            <a:schemeClr val="accent1"/>
+          </a:effectRef>
+          <a:fontRef idx="minor">
+            <a:schemeClr val="tx1"/>
+          </a:fontRef>
+        </p:style>
+      </p:cxnSp>
+      <p:cxnSp>
+        <p:nvCxnSpPr>
+          <p:cNvPr id="67" name="Straight Connector 66"/>
+          <p:cNvCxnSpPr/>
+          <p:nvPr/>
+        </p:nvCxnSpPr>
+        <p:spPr>
+          <a:xfrm flipH="1">
+            <a:off x="2767327" y="338124"/>
+            <a:ext cx="26486" cy="3142969"/>
+          </a:xfrm>
+          <a:prstGeom prst="line">
+            <a:avLst/>
+          </a:prstGeom>
+          <a:ln>
+            <a:prstDash val="sysDash"/>
+          </a:ln>
+        </p:spPr>
+        <p:style>
+          <a:lnRef idx="2">
+            <a:schemeClr val="accent1"/>
+          </a:lnRef>
+          <a:fillRef idx="0">
+            <a:schemeClr val="accent1"/>
+          </a:fillRef>
+          <a:effectRef idx="1">
+            <a:schemeClr val="accent1"/>
+          </a:effectRef>
+          <a:fontRef idx="minor">
+            <a:schemeClr val="tx1"/>
+          </a:fontRef>
+        </p:style>
+      </p:cxnSp>
+      <p:cxnSp>
+        <p:nvCxnSpPr>
+          <p:cNvPr id="68" name="Straight Connector 67"/>
+          <p:cNvCxnSpPr/>
+          <p:nvPr/>
+        </p:nvCxnSpPr>
+        <p:spPr>
+          <a:xfrm>
+            <a:off x="2793813" y="5347936"/>
+            <a:ext cx="2340486" cy="0"/>
+          </a:xfrm>
+          <a:prstGeom prst="line">
+            <a:avLst/>
+          </a:prstGeom>
+          <a:ln>
+            <a:prstDash val="sysDash"/>
+          </a:ln>
+        </p:spPr>
+        <p:style>
+          <a:lnRef idx="2">
+            <a:schemeClr val="accent1"/>
+          </a:lnRef>
+          <a:fillRef idx="0">
+            <a:schemeClr val="accent1"/>
+          </a:fillRef>
+          <a:effectRef idx="1">
+            <a:schemeClr val="accent1"/>
+          </a:effectRef>
+          <a:fontRef idx="minor">
+            <a:schemeClr val="tx1"/>
+          </a:fontRef>
+        </p:style>
+      </p:cxnSp>
+      <p:sp>
+        <p:nvSpPr>
+          <p:cNvPr id="69" name="TextBox 68"/>
+          <p:cNvSpPr txBox="1"/>
+          <p:nvPr/>
+        </p:nvSpPr>
+        <p:spPr>
+          <a:xfrm>
+            <a:off x="2793813" y="3481093"/>
+            <a:ext cx="2206541" cy="525749"/>
+          </a:xfrm>
+          <a:prstGeom prst="rect">
+            <a:avLst/>
+          </a:prstGeom>
+          <a:noFill/>
+        </p:spPr>
+        <p:txBody>
+          <a:bodyPr wrap="square" rtlCol="0">
+            <a:spAutoFit/>
+          </a:bodyPr>
+          <a:lstStyle/>
+          <a:p>
+            <a:pPr algn="ctr"/>
+            <a:r>
+              <a:rPr lang="en-US" sz="1400" b="1" dirty="0" smtClean="0"/>
+              <a:t>Local </a:t>
+            </a:r>
+            <a:r>
+              <a:rPr lang="en-US" sz="1400" b="1" dirty="0" smtClean="0"/>
+              <a:t>Accessible </a:t>
+            </a:r>
+            <a:endParaRPr lang="en-US" sz="1400" b="1" dirty="0" smtClean="0"/>
+          </a:p>
+          <a:p>
+            <a:pPr algn="ctr"/>
+            <a:r>
+              <a:rPr lang="en-US" sz="1400" b="1" dirty="0" smtClean="0"/>
+              <a:t>Data </a:t>
+            </a:r>
+            <a:r>
+              <a:rPr lang="en-US" sz="1400" b="1" dirty="0" smtClean="0"/>
+              <a:t>Objects</a:t>
+            </a:r>
+            <a:endParaRPr lang="en-US" sz="1400" b="1" dirty="0"/>
+          </a:p>
+        </p:txBody>
+      </p:sp>
+      <p:cxnSp>
+        <p:nvCxnSpPr>
+          <p:cNvPr id="4" name="Straight Connector 3"/>
+          <p:cNvCxnSpPr/>
+          <p:nvPr/>
+        </p:nvCxnSpPr>
+        <p:spPr>
+          <a:xfrm>
+            <a:off x="418707" y="3481093"/>
+            <a:ext cx="4704715" cy="0"/>
+          </a:xfrm>
+          <a:prstGeom prst="line">
+            <a:avLst/>
+          </a:prstGeom>
+        </p:spPr>
+        <p:style>
+          <a:lnRef idx="2">
+            <a:schemeClr val="accent1"/>
+          </a:lnRef>
+          <a:fillRef idx="0">
+            <a:schemeClr val="accent1"/>
+          </a:fillRef>
+          <a:effectRef idx="1">
+            <a:schemeClr val="accent1"/>
+          </a:effectRef>
+          <a:fontRef idx="minor">
+            <a:schemeClr val="tx1"/>
+          </a:fontRef>
+        </p:style>
+      </p:cxnSp>
+      <p:cxnSp>
+        <p:nvCxnSpPr>
+          <p:cNvPr id="6" name="Straight Connector 5"/>
+          <p:cNvCxnSpPr/>
+          <p:nvPr/>
+        </p:nvCxnSpPr>
+        <p:spPr>
+          <a:xfrm flipH="1">
+            <a:off x="2767327" y="3481093"/>
+            <a:ext cx="2744" cy="1901684"/>
+          </a:xfrm>
+          <a:prstGeom prst="line">
+            <a:avLst/>
+          </a:prstGeom>
+        </p:spPr>
+        <p:style>
+          <a:lnRef idx="2">
+            <a:schemeClr val="accent1"/>
+          </a:lnRef>
+          <a:fillRef idx="0">
+            <a:schemeClr val="accent1"/>
+          </a:fillRef>
+          <a:effectRef idx="1">
+            <a:schemeClr val="accent1"/>
+          </a:effectRef>
+          <a:fontRef idx="minor">
+            <a:schemeClr val="tx1"/>
+          </a:fontRef>
+        </p:style>
+      </p:cxnSp>
+      <p:sp>
+        <p:nvSpPr>
+          <p:cNvPr id="8" name="Right Brace 7"/>
+          <p:cNvSpPr/>
+          <p:nvPr/>
+        </p:nvSpPr>
+        <p:spPr>
+          <a:xfrm>
+            <a:off x="5355846" y="357504"/>
+            <a:ext cx="426128" cy="3158430"/>
+          </a:xfrm>
+          <a:prstGeom prst="rightBrace">
+            <a:avLst/>
+          </a:prstGeom>
+        </p:spPr>
+        <p:style>
+          <a:lnRef idx="2">
+            <a:schemeClr val="accent1"/>
+          </a:lnRef>
+          <a:fillRef idx="0">
+            <a:schemeClr val="accent1"/>
+          </a:fillRef>
+          <a:effectRef idx="1">
+            <a:schemeClr val="accent1"/>
+          </a:effectRef>
+          <a:fontRef idx="minor">
+            <a:schemeClr val="tx1"/>
+          </a:fontRef>
+        </p:style>
+        <p:txBody>
+          <a:bodyPr rtlCol="0" anchor="ctr"/>
+          <a:lstStyle/>
+          <a:p>
+            <a:pPr algn="ctr"/>
+            <a:endParaRPr lang="en-US"/>
+          </a:p>
+        </p:txBody>
+      </p:sp>
+      <p:sp>
+        <p:nvSpPr>
+          <p:cNvPr id="15" name="TextBox 14"/>
+          <p:cNvSpPr txBox="1"/>
+          <p:nvPr/>
+        </p:nvSpPr>
+        <p:spPr>
+          <a:xfrm>
+            <a:off x="5898951" y="1414691"/>
+            <a:ext cx="1187232" cy="646331"/>
+          </a:xfrm>
+          <a:prstGeom prst="rect">
+            <a:avLst/>
+          </a:prstGeom>
+          <a:noFill/>
+        </p:spPr>
+        <p:txBody>
+          <a:bodyPr wrap="none" rtlCol="0">
+            <a:spAutoFit/>
+          </a:bodyPr>
+          <a:lstStyle/>
+          <a:p>
+            <a:r>
+              <a:rPr lang="en-US" dirty="0" smtClean="0"/>
+              <a:t>Symmetric</a:t>
+            </a:r>
+          </a:p>
+          <a:p>
+            <a:r>
+              <a:rPr lang="en-US" dirty="0" smtClean="0"/>
+              <a:t>Objects</a:t>
+            </a:r>
+            <a:endParaRPr lang="en-US" dirty="0"/>
+          </a:p>
+        </p:txBody>
+      </p:sp>
+    </p:spTree>
+    <p:extLst>
+      <p:ext uri="{BB962C8B-B14F-4D97-AF65-F5344CB8AC3E}">
+        <p14:creationId xmlns:p14="http://schemas.microsoft.com/office/powerpoint/2010/main" val="2983394125"/>
+      </p:ext>
+    </p:extLst>
+  </p:cSld>
+  <p:clrMapOvr>
+    <a:masterClrMapping/>
+  </p:clrMapOvr>
+</p:sld>
+</file>
+
+<file path=ppt/slides/slide2.xml><?xml version="1.0" encoding="utf-8"?>
+<p:sld xmlns:a="http://schemas.openxmlformats.org/drawingml/2006/main" xmlns:r="http://schemas.openxmlformats.org/officeDocument/2006/relationships" xmlns:p="http://schemas.openxmlformats.org/presentationml/2006/main">
+  <p:cSld>
+    <p:spTree>
+      <p:nvGrpSpPr>
+        <p:cNvPr id="1" name=""/>
+        <p:cNvGrpSpPr/>
+        <p:nvPr/>
+      </p:nvGrpSpPr>
+      <p:grpSpPr>
+        <a:xfrm>
+          <a:off x="0" y="0"/>
+          <a:ext cx="0" cy="0"/>
+          <a:chOff x="0" y="0"/>
+          <a:chExt cx="0" cy="0"/>
+        </a:xfrm>
+      </p:grpSpPr>
+      <p:sp>
+        <p:nvSpPr>
+          <p:cNvPr id="28" name="Rectangle 27"/>
+          <p:cNvSpPr/>
+          <p:nvPr/>
+        </p:nvSpPr>
+        <p:spPr>
+          <a:xfrm>
+            <a:off x="679459" y="5549893"/>
+            <a:ext cx="2090612" cy="369332"/>
+          </a:xfrm>
+          <a:prstGeom prst="rect">
+            <a:avLst/>
+          </a:prstGeom>
+        </p:spPr>
+        <p:txBody>
+          <a:bodyPr wrap="none">
+            <a:spAutoFit/>
+          </a:bodyPr>
+          <a:lstStyle/>
+          <a:p>
+            <a:pPr algn="r"/>
+            <a:r>
+              <a:rPr lang="en-US" dirty="0"/>
+              <a:t>Processing Element</a:t>
+            </a:r>
+            <a:r>
+              <a:rPr lang="en-US" baseline="-25000" dirty="0"/>
+              <a:t>0</a:t>
+            </a:r>
+            <a:endParaRPr lang="en-US" baseline="-25000" dirty="0"/>
+          </a:p>
+        </p:txBody>
+      </p:sp>
+      <p:sp>
+        <p:nvSpPr>
+          <p:cNvPr id="29" name="Rectangle 28"/>
+          <p:cNvSpPr/>
+          <p:nvPr/>
+        </p:nvSpPr>
+        <p:spPr>
+          <a:xfrm>
+            <a:off x="4394814" y="5549893"/>
+            <a:ext cx="2237061" cy="369332"/>
+          </a:xfrm>
+          <a:prstGeom prst="rect">
+            <a:avLst/>
+          </a:prstGeom>
+        </p:spPr>
+        <p:txBody>
+          <a:bodyPr wrap="none">
+            <a:spAutoFit/>
+          </a:bodyPr>
+          <a:lstStyle/>
+          <a:p>
+            <a:pPr algn="r"/>
+            <a:r>
+              <a:rPr lang="en-US" dirty="0"/>
+              <a:t>Processing </a:t>
+            </a:r>
+            <a:r>
+              <a:rPr lang="en-US" dirty="0" smtClean="0"/>
+              <a:t>Element</a:t>
+            </a:r>
+            <a:r>
+              <a:rPr lang="en-US" baseline="-25000" dirty="0" smtClean="0"/>
+              <a:t>N-1</a:t>
+            </a:r>
+            <a:endParaRPr lang="en-US" baseline="-25000" dirty="0"/>
+          </a:p>
+        </p:txBody>
+      </p:sp>
+      <p:grpSp>
+        <p:nvGrpSpPr>
+          <p:cNvPr id="14" name="Group 13"/>
+          <p:cNvGrpSpPr/>
+          <p:nvPr/>
+        </p:nvGrpSpPr>
+        <p:grpSpPr>
+          <a:xfrm>
+            <a:off x="563528" y="539477"/>
+            <a:ext cx="2206541" cy="4652150"/>
+            <a:chOff x="795080" y="-25278"/>
+            <a:chExt cx="2986083" cy="6289205"/>
+          </a:xfrm>
+        </p:grpSpPr>
+        <p:sp>
+          <p:nvSpPr>
+            <p:cNvPr id="23" name="Rounded Rectangle 22"/>
+            <p:cNvSpPr/>
+            <p:nvPr/>
+          </p:nvSpPr>
+          <p:spPr>
+            <a:xfrm>
+              <a:off x="1053218" y="864208"/>
+              <a:ext cx="2152895" cy="1409550"/>
+            </a:xfrm>
+            <a:prstGeom prst="roundRect">
+              <a:avLst/>
+            </a:prstGeom>
+          </p:spPr>
+          <p:style>
+            <a:lnRef idx="1">
+              <a:schemeClr val="accent2"/>
+            </a:lnRef>
+            <a:fillRef idx="2">
+              <a:schemeClr val="accent2"/>
+            </a:fillRef>
+            <a:effectRef idx="1">
+              <a:schemeClr val="accent2"/>
+            </a:effectRef>
+            <a:fontRef idx="minor">
+              <a:schemeClr val="dk1"/>
+            </a:fontRef>
+          </p:style>
+          <p:txBody>
+            <a:bodyPr rtlCol="0" anchor="ctr"/>
+            <a:lstStyle/>
+            <a:p>
+              <a:pPr algn="ctr"/>
+              <a:r>
+                <a:rPr lang="en-US" dirty="0" smtClean="0"/>
+                <a:t>Static and Global variables</a:t>
+              </a:r>
+              <a:endParaRPr lang="en-US" dirty="0"/>
+            </a:p>
+          </p:txBody>
+        </p:sp>
+        <p:sp>
+          <p:nvSpPr>
+            <p:cNvPr id="24" name="Rounded Rectangle 23"/>
+            <p:cNvSpPr/>
+            <p:nvPr/>
+          </p:nvSpPr>
+          <p:spPr>
+            <a:xfrm>
+              <a:off x="1053218" y="2428751"/>
+              <a:ext cx="2152895" cy="1409550"/>
+            </a:xfrm>
+            <a:prstGeom prst="roundRect">
+              <a:avLst/>
+            </a:prstGeom>
+          </p:spPr>
+          <p:style>
+            <a:lnRef idx="1">
+              <a:schemeClr val="accent2"/>
+            </a:lnRef>
+            <a:fillRef idx="2">
+              <a:schemeClr val="accent2"/>
+            </a:fillRef>
+            <a:effectRef idx="1">
+              <a:schemeClr val="accent2"/>
+            </a:effectRef>
+            <a:fontRef idx="minor">
+              <a:schemeClr val="dk1"/>
+            </a:fontRef>
+          </p:style>
+          <p:txBody>
+            <a:bodyPr rtlCol="0" anchor="ctr"/>
+            <a:lstStyle/>
+            <a:p>
+              <a:pPr algn="ctr"/>
+              <a:r>
+                <a:rPr lang="en-US" dirty="0" smtClean="0"/>
+                <a:t>Variables on Symmetric Heap</a:t>
+              </a:r>
+              <a:endParaRPr lang="en-US" dirty="0"/>
+            </a:p>
+          </p:txBody>
+        </p:sp>
+        <p:sp>
+          <p:nvSpPr>
+            <p:cNvPr id="25" name="Rounded Rectangle 24"/>
+            <p:cNvSpPr/>
+            <p:nvPr/>
+          </p:nvSpPr>
+          <p:spPr>
+            <a:xfrm>
+              <a:off x="1053218" y="4866196"/>
+              <a:ext cx="2269679" cy="1397731"/>
+            </a:xfrm>
+            <a:prstGeom prst="roundRect">
+              <a:avLst/>
+            </a:prstGeom>
+          </p:spPr>
+          <p:style>
+            <a:lnRef idx="1">
+              <a:schemeClr val="accent6"/>
+            </a:lnRef>
+            <a:fillRef idx="2">
+              <a:schemeClr val="accent6"/>
+            </a:fillRef>
+            <a:effectRef idx="1">
+              <a:schemeClr val="accent6"/>
+            </a:effectRef>
+            <a:fontRef idx="minor">
+              <a:schemeClr val="dk1"/>
+            </a:fontRef>
+          </p:style>
+          <p:txBody>
+            <a:bodyPr rtlCol="0" anchor="ctr"/>
+            <a:lstStyle/>
+            <a:p>
+              <a:pPr algn="ctr"/>
+              <a:r>
+                <a:rPr lang="en-US" dirty="0" smtClean="0"/>
+                <a:t>Local </a:t>
+              </a:r>
+            </a:p>
+            <a:p>
+              <a:pPr algn="ctr"/>
+              <a:r>
+                <a:rPr lang="en-US" dirty="0" smtClean="0"/>
+                <a:t>Variables</a:t>
+              </a:r>
+              <a:endParaRPr lang="en-US" dirty="0"/>
+            </a:p>
+          </p:txBody>
+        </p:sp>
+        <p:sp>
+          <p:nvSpPr>
+            <p:cNvPr id="27" name="TextBox 26"/>
+            <p:cNvSpPr txBox="1"/>
+            <p:nvPr/>
+          </p:nvSpPr>
+          <p:spPr>
+            <a:xfrm>
+              <a:off x="795080" y="-25278"/>
+              <a:ext cx="2986083" cy="706060"/>
+            </a:xfrm>
+            <a:prstGeom prst="rect">
+              <a:avLst/>
+            </a:prstGeom>
+            <a:noFill/>
+          </p:spPr>
+          <p:txBody>
+            <a:bodyPr wrap="square" rtlCol="0">
+              <a:spAutoFit/>
+            </a:bodyPr>
+            <a:lstStyle/>
+            <a:p>
+              <a:pPr algn="ctr"/>
+              <a:r>
+                <a:rPr lang="en-US" sz="1400" b="1" dirty="0" smtClean="0"/>
+                <a:t>Remotely Accessible </a:t>
+              </a:r>
+              <a:endParaRPr lang="en-US" sz="1400" b="1" dirty="0" smtClean="0"/>
+            </a:p>
+            <a:p>
+              <a:pPr algn="ctr"/>
+              <a:r>
+                <a:rPr lang="en-US" sz="1400" b="1" dirty="0" smtClean="0"/>
+                <a:t>Symmetric Data </a:t>
+              </a:r>
+              <a:r>
+                <a:rPr lang="en-US" sz="1400" b="1" dirty="0" smtClean="0"/>
+                <a:t>Objects</a:t>
+              </a:r>
+              <a:endParaRPr lang="en-US" sz="1400" b="1" dirty="0"/>
+            </a:p>
+          </p:txBody>
+        </p:sp>
+      </p:grpSp>
+      <p:cxnSp>
+        <p:nvCxnSpPr>
+          <p:cNvPr id="10" name="Straight Connector 9"/>
+          <p:cNvCxnSpPr/>
+          <p:nvPr/>
+        </p:nvCxnSpPr>
+        <p:spPr>
+          <a:xfrm flipV="1">
+            <a:off x="426841" y="357504"/>
+            <a:ext cx="2343229" cy="15462"/>
+          </a:xfrm>
+          <a:prstGeom prst="line">
+            <a:avLst/>
+          </a:prstGeom>
+          <a:ln>
+            <a:prstDash val="sysDash"/>
+          </a:ln>
+        </p:spPr>
+        <p:style>
+          <a:lnRef idx="2">
+            <a:schemeClr val="accent1"/>
+          </a:lnRef>
+          <a:fillRef idx="0">
+            <a:schemeClr val="accent1"/>
+          </a:fillRef>
+          <a:effectRef idx="1">
+            <a:schemeClr val="accent1"/>
+          </a:effectRef>
+          <a:fontRef idx="minor">
+            <a:schemeClr val="tx1"/>
+          </a:fontRef>
+        </p:style>
+      </p:cxnSp>
+      <p:cxnSp>
+        <p:nvCxnSpPr>
+          <p:cNvPr id="11" name="Straight Connector 10"/>
+          <p:cNvCxnSpPr/>
+          <p:nvPr/>
+        </p:nvCxnSpPr>
+        <p:spPr>
+          <a:xfrm flipH="1">
+            <a:off x="2770070" y="338125"/>
+            <a:ext cx="1" cy="5044652"/>
+          </a:xfrm>
+          <a:prstGeom prst="line">
+            <a:avLst/>
+          </a:prstGeom>
+          <a:ln>
+            <a:prstDash val="sysDash"/>
+          </a:ln>
+        </p:spPr>
+        <p:style>
+          <a:lnRef idx="2">
+            <a:schemeClr val="accent1"/>
+          </a:lnRef>
+          <a:fillRef idx="0">
+            <a:schemeClr val="accent1"/>
+          </a:fillRef>
+          <a:effectRef idx="1">
+            <a:schemeClr val="accent1"/>
+          </a:effectRef>
+          <a:fontRef idx="minor">
+            <a:schemeClr val="tx1"/>
+          </a:fontRef>
+        </p:style>
+      </p:cxnSp>
+      <p:cxnSp>
+        <p:nvCxnSpPr>
+          <p:cNvPr id="12" name="Straight Connector 11"/>
+          <p:cNvCxnSpPr/>
+          <p:nvPr/>
+        </p:nvCxnSpPr>
+        <p:spPr>
+          <a:xfrm>
+            <a:off x="426841" y="372965"/>
+            <a:ext cx="2743" cy="5009812"/>
+          </a:xfrm>
+          <a:prstGeom prst="line">
+            <a:avLst/>
+          </a:prstGeom>
+          <a:ln>
+            <a:prstDash val="sysDash"/>
+          </a:ln>
+        </p:spPr>
+        <p:style>
+          <a:lnRef idx="2">
+            <a:schemeClr val="accent1"/>
+          </a:lnRef>
+          <a:fillRef idx="0">
+            <a:schemeClr val="accent1"/>
+          </a:fillRef>
+          <a:effectRef idx="1">
+            <a:schemeClr val="accent1"/>
+          </a:effectRef>
+          <a:fontRef idx="minor">
+            <a:schemeClr val="tx1"/>
+          </a:fontRef>
+        </p:style>
+      </p:cxnSp>
+      <p:cxnSp>
+        <p:nvCxnSpPr>
+          <p:cNvPr id="13" name="Straight Connector 12"/>
+          <p:cNvCxnSpPr/>
+          <p:nvPr/>
+        </p:nvCxnSpPr>
+        <p:spPr>
+          <a:xfrm>
+            <a:off x="426841" y="5382777"/>
+            <a:ext cx="2340486" cy="0"/>
+          </a:xfrm>
+          <a:prstGeom prst="line">
+            <a:avLst/>
+          </a:prstGeom>
+          <a:ln>
+            <a:prstDash val="sysDash"/>
+          </a:ln>
+        </p:spPr>
+        <p:style>
+          <a:lnRef idx="2">
+            <a:schemeClr val="accent1"/>
+          </a:lnRef>
+          <a:fillRef idx="0">
+            <a:schemeClr val="accent1"/>
+          </a:fillRef>
+          <a:effectRef idx="1">
+            <a:schemeClr val="accent1"/>
+          </a:effectRef>
+          <a:fontRef idx="minor">
+            <a:schemeClr val="tx1"/>
+          </a:fontRef>
+        </p:style>
+      </p:cxnSp>
+      <p:sp>
+        <p:nvSpPr>
+          <p:cNvPr id="30" name="TextBox 29"/>
+          <p:cNvSpPr txBox="1"/>
+          <p:nvPr/>
+        </p:nvSpPr>
+        <p:spPr>
+          <a:xfrm>
+            <a:off x="426841" y="3515934"/>
+            <a:ext cx="2206541" cy="525749"/>
+          </a:xfrm>
+          <a:prstGeom prst="rect">
+            <a:avLst/>
+          </a:prstGeom>
+          <a:noFill/>
+        </p:spPr>
+        <p:txBody>
+          <a:bodyPr wrap="square" rtlCol="0">
+            <a:spAutoFit/>
+          </a:bodyPr>
+          <a:lstStyle/>
+          <a:p>
+            <a:pPr algn="ctr"/>
+            <a:r>
+              <a:rPr lang="en-US" sz="1400" b="1" dirty="0" smtClean="0"/>
+              <a:t>Local </a:t>
+            </a:r>
+            <a:r>
+              <a:rPr lang="en-US" sz="1400" b="1" dirty="0" smtClean="0"/>
+              <a:t>Accessible </a:t>
+            </a:r>
+            <a:endParaRPr lang="en-US" sz="1400" b="1" dirty="0" smtClean="0"/>
+          </a:p>
+          <a:p>
+            <a:pPr algn="ctr"/>
+            <a:r>
+              <a:rPr lang="en-US" sz="1400" b="1" dirty="0" smtClean="0"/>
+              <a:t>Data </a:t>
+            </a:r>
+            <a:r>
+              <a:rPr lang="en-US" sz="1400" b="1" dirty="0" smtClean="0"/>
+              <a:t>Objects</a:t>
+            </a:r>
+            <a:endParaRPr lang="en-US" sz="1400" b="1" dirty="0"/>
+          </a:p>
+        </p:txBody>
+      </p:sp>
+      <p:cxnSp>
+        <p:nvCxnSpPr>
+          <p:cNvPr id="51" name="Straight Arrow Connector 50"/>
+          <p:cNvCxnSpPr/>
+          <p:nvPr/>
+        </p:nvCxnSpPr>
+        <p:spPr>
+          <a:xfrm>
+            <a:off x="2849210" y="1604308"/>
+            <a:ext cx="1470560" cy="1716436"/>
+          </a:xfrm>
+          <a:prstGeom prst="straightConnector1">
+            <a:avLst/>
+          </a:prstGeom>
+          <a:ln>
+            <a:tailEnd type="arrow"/>
+          </a:ln>
+        </p:spPr>
+        <p:style>
+          <a:lnRef idx="2">
+            <a:schemeClr val="accent1"/>
+          </a:lnRef>
+          <a:fillRef idx="0">
+            <a:schemeClr val="accent1"/>
+          </a:fillRef>
+          <a:effectRef idx="1">
+            <a:schemeClr val="accent1"/>
+          </a:effectRef>
+          <a:fontRef idx="minor">
+            <a:schemeClr val="tx1"/>
+          </a:fontRef>
+        </p:style>
+      </p:cxnSp>
+      <p:cxnSp>
+        <p:nvCxnSpPr>
+          <p:cNvPr id="53" name="Straight Arrow Connector 52"/>
+          <p:cNvCxnSpPr/>
+          <p:nvPr/>
+        </p:nvCxnSpPr>
+        <p:spPr>
+          <a:xfrm flipH="1">
+            <a:off x="2849210" y="1604308"/>
+            <a:ext cx="1470560" cy="1716436"/>
+          </a:xfrm>
+          <a:prstGeom prst="straightConnector1">
+            <a:avLst/>
+          </a:prstGeom>
+          <a:ln>
+            <a:tailEnd type="arrow"/>
+          </a:ln>
+        </p:spPr>
+        <p:style>
+          <a:lnRef idx="2">
+            <a:schemeClr val="accent1"/>
+          </a:lnRef>
+          <a:fillRef idx="0">
+            <a:schemeClr val="accent1"/>
+          </a:fillRef>
+          <a:effectRef idx="1">
+            <a:schemeClr val="accent1"/>
+          </a:effectRef>
+          <a:fontRef idx="minor">
+            <a:schemeClr val="tx1"/>
+          </a:fontRef>
+        </p:style>
+      </p:cxnSp>
+      <p:grpSp>
+        <p:nvGrpSpPr>
+          <p:cNvPr id="60" name="Group 59"/>
+          <p:cNvGrpSpPr/>
+          <p:nvPr/>
+        </p:nvGrpSpPr>
+        <p:grpSpPr>
+          <a:xfrm>
+            <a:off x="4528758" y="581625"/>
+            <a:ext cx="2206541" cy="4652150"/>
+            <a:chOff x="795080" y="-25278"/>
+            <a:chExt cx="2986083" cy="6289205"/>
+          </a:xfrm>
+        </p:grpSpPr>
+        <p:sp>
+          <p:nvSpPr>
+            <p:cNvPr id="61" name="Rounded Rectangle 60"/>
+            <p:cNvSpPr/>
+            <p:nvPr/>
+          </p:nvSpPr>
+          <p:spPr>
+            <a:xfrm>
+              <a:off x="1053218" y="864208"/>
+              <a:ext cx="2152895" cy="1409550"/>
+            </a:xfrm>
+            <a:prstGeom prst="roundRect">
+              <a:avLst/>
+            </a:prstGeom>
+          </p:spPr>
+          <p:style>
+            <a:lnRef idx="1">
+              <a:schemeClr val="accent2"/>
+            </a:lnRef>
+            <a:fillRef idx="2">
+              <a:schemeClr val="accent2"/>
+            </a:fillRef>
+            <a:effectRef idx="1">
+              <a:schemeClr val="accent2"/>
+            </a:effectRef>
+            <a:fontRef idx="minor">
+              <a:schemeClr val="dk1"/>
+            </a:fontRef>
+          </p:style>
+          <p:txBody>
+            <a:bodyPr rtlCol="0" anchor="ctr"/>
+            <a:lstStyle/>
+            <a:p>
+              <a:pPr algn="ctr"/>
+              <a:r>
+                <a:rPr lang="en-US" dirty="0" smtClean="0"/>
+                <a:t>Static and Global variables</a:t>
+              </a:r>
+              <a:endParaRPr lang="en-US" dirty="0"/>
+            </a:p>
+          </p:txBody>
+        </p:sp>
+        <p:sp>
+          <p:nvSpPr>
+            <p:cNvPr id="62" name="Rounded Rectangle 61"/>
+            <p:cNvSpPr/>
+            <p:nvPr/>
+          </p:nvSpPr>
+          <p:spPr>
+            <a:xfrm>
+              <a:off x="1053218" y="2428751"/>
+              <a:ext cx="2152895" cy="1409550"/>
+            </a:xfrm>
+            <a:prstGeom prst="roundRect">
+              <a:avLst/>
+            </a:prstGeom>
+          </p:spPr>
+          <p:style>
+            <a:lnRef idx="1">
+              <a:schemeClr val="accent2"/>
+            </a:lnRef>
+            <a:fillRef idx="2">
+              <a:schemeClr val="accent2"/>
+            </a:fillRef>
+            <a:effectRef idx="1">
+              <a:schemeClr val="accent2"/>
+            </a:effectRef>
+            <a:fontRef idx="minor">
+              <a:schemeClr val="dk1"/>
+            </a:fontRef>
+          </p:style>
+          <p:txBody>
+            <a:bodyPr rtlCol="0" anchor="ctr"/>
+            <a:lstStyle/>
+            <a:p>
+              <a:pPr algn="ctr"/>
+              <a:r>
+                <a:rPr lang="en-US" dirty="0" smtClean="0"/>
+                <a:t>Variables on Symmetric Heap</a:t>
+              </a:r>
+              <a:endParaRPr lang="en-US" dirty="0"/>
+            </a:p>
+          </p:txBody>
+        </p:sp>
+        <p:sp>
+          <p:nvSpPr>
+            <p:cNvPr id="63" name="Rounded Rectangle 62"/>
+            <p:cNvSpPr/>
+            <p:nvPr/>
+          </p:nvSpPr>
+          <p:spPr>
+            <a:xfrm>
+              <a:off x="1053218" y="4866196"/>
+              <a:ext cx="2269679" cy="1397731"/>
+            </a:xfrm>
+            <a:prstGeom prst="roundRect">
+              <a:avLst/>
+            </a:prstGeom>
+          </p:spPr>
+          <p:style>
+            <a:lnRef idx="1">
+              <a:schemeClr val="accent6"/>
+            </a:lnRef>
+            <a:fillRef idx="2">
+              <a:schemeClr val="accent6"/>
+            </a:fillRef>
+            <a:effectRef idx="1">
+              <a:schemeClr val="accent6"/>
+            </a:effectRef>
+            <a:fontRef idx="minor">
+              <a:schemeClr val="dk1"/>
+            </a:fontRef>
+          </p:style>
+          <p:txBody>
+            <a:bodyPr rtlCol="0" anchor="ctr"/>
+            <a:lstStyle/>
+            <a:p>
+              <a:pPr algn="ctr"/>
+              <a:r>
+                <a:rPr lang="en-US" dirty="0" smtClean="0"/>
+                <a:t>Local </a:t>
+              </a:r>
+            </a:p>
+            <a:p>
+              <a:pPr algn="ctr"/>
+              <a:r>
+                <a:rPr lang="en-US" dirty="0" smtClean="0"/>
+                <a:t>Variables</a:t>
+              </a:r>
+              <a:endParaRPr lang="en-US" dirty="0"/>
+            </a:p>
+          </p:txBody>
+        </p:sp>
+        <p:sp>
+          <p:nvSpPr>
+            <p:cNvPr id="64" name="TextBox 63"/>
+            <p:cNvSpPr txBox="1"/>
+            <p:nvPr/>
+          </p:nvSpPr>
+          <p:spPr>
+            <a:xfrm>
+              <a:off x="795080" y="-25278"/>
+              <a:ext cx="2986083" cy="706060"/>
+            </a:xfrm>
+            <a:prstGeom prst="rect">
+              <a:avLst/>
+            </a:prstGeom>
+            <a:noFill/>
+          </p:spPr>
+          <p:txBody>
+            <a:bodyPr wrap="square" rtlCol="0">
+              <a:spAutoFit/>
+            </a:bodyPr>
+            <a:lstStyle/>
+            <a:p>
+              <a:pPr algn="ctr"/>
+              <a:r>
+                <a:rPr lang="en-US" sz="1400" b="1" dirty="0" smtClean="0"/>
+                <a:t>Remotely Accessible </a:t>
+              </a:r>
+              <a:endParaRPr lang="en-US" sz="1400" b="1" dirty="0" smtClean="0"/>
+            </a:p>
+            <a:p>
+              <a:pPr algn="ctr"/>
+              <a:r>
+                <a:rPr lang="en-US" sz="1400" b="1" dirty="0" smtClean="0"/>
+                <a:t>Symmetric Data </a:t>
+              </a:r>
+              <a:r>
+                <a:rPr lang="en-US" sz="1400" b="1" dirty="0" smtClean="0"/>
+                <a:t>Objects</a:t>
+              </a:r>
+              <a:endParaRPr lang="en-US" sz="1400" b="1" dirty="0"/>
+            </a:p>
+          </p:txBody>
+        </p:sp>
+      </p:grpSp>
+      <p:cxnSp>
+        <p:nvCxnSpPr>
+          <p:cNvPr id="65" name="Straight Connector 64"/>
+          <p:cNvCxnSpPr/>
+          <p:nvPr/>
+        </p:nvCxnSpPr>
+        <p:spPr>
+          <a:xfrm flipV="1">
+            <a:off x="4392071" y="399652"/>
+            <a:ext cx="2343229" cy="15462"/>
+          </a:xfrm>
+          <a:prstGeom prst="line">
+            <a:avLst/>
+          </a:prstGeom>
+          <a:ln>
+            <a:prstDash val="sysDash"/>
+          </a:ln>
+        </p:spPr>
+        <p:style>
+          <a:lnRef idx="2">
+            <a:schemeClr val="accent1"/>
+          </a:lnRef>
+          <a:fillRef idx="0">
+            <a:schemeClr val="accent1"/>
+          </a:fillRef>
+          <a:effectRef idx="1">
+            <a:schemeClr val="accent1"/>
+          </a:effectRef>
+          <a:fontRef idx="minor">
+            <a:schemeClr val="tx1"/>
+          </a:fontRef>
+        </p:style>
+      </p:cxnSp>
+      <p:cxnSp>
+        <p:nvCxnSpPr>
+          <p:cNvPr id="66" name="Straight Connector 65"/>
+          <p:cNvCxnSpPr/>
+          <p:nvPr/>
+        </p:nvCxnSpPr>
+        <p:spPr>
+          <a:xfrm flipH="1">
+            <a:off x="6735300" y="380273"/>
+            <a:ext cx="1" cy="5044652"/>
+          </a:xfrm>
+          <a:prstGeom prst="line">
+            <a:avLst/>
+          </a:prstGeom>
+          <a:ln>
+            <a:prstDash val="sysDash"/>
+          </a:ln>
+        </p:spPr>
+        <p:style>
+          <a:lnRef idx="2">
+            <a:schemeClr val="accent1"/>
+          </a:lnRef>
+          <a:fillRef idx="0">
+            <a:schemeClr val="accent1"/>
+          </a:fillRef>
+          <a:effectRef idx="1">
+            <a:schemeClr val="accent1"/>
+          </a:effectRef>
+          <a:fontRef idx="minor">
+            <a:schemeClr val="tx1"/>
+          </a:fontRef>
+        </p:style>
+      </p:cxnSp>
+      <p:cxnSp>
+        <p:nvCxnSpPr>
+          <p:cNvPr id="67" name="Straight Connector 66"/>
+          <p:cNvCxnSpPr/>
+          <p:nvPr/>
+        </p:nvCxnSpPr>
+        <p:spPr>
+          <a:xfrm>
+            <a:off x="4392071" y="415113"/>
+            <a:ext cx="2743" cy="5009812"/>
+          </a:xfrm>
+          <a:prstGeom prst="line">
+            <a:avLst/>
+          </a:prstGeom>
+          <a:ln>
+            <a:prstDash val="sysDash"/>
+          </a:ln>
+        </p:spPr>
+        <p:style>
+          <a:lnRef idx="2">
+            <a:schemeClr val="accent1"/>
+          </a:lnRef>
+          <a:fillRef idx="0">
+            <a:schemeClr val="accent1"/>
+          </a:fillRef>
+          <a:effectRef idx="1">
+            <a:schemeClr val="accent1"/>
+          </a:effectRef>
+          <a:fontRef idx="minor">
+            <a:schemeClr val="tx1"/>
+          </a:fontRef>
+        </p:style>
+      </p:cxnSp>
+      <p:cxnSp>
+        <p:nvCxnSpPr>
+          <p:cNvPr id="68" name="Straight Connector 67"/>
+          <p:cNvCxnSpPr/>
+          <p:nvPr/>
+        </p:nvCxnSpPr>
+        <p:spPr>
+          <a:xfrm>
+            <a:off x="4392071" y="5424925"/>
+            <a:ext cx="2340486" cy="0"/>
+          </a:xfrm>
+          <a:prstGeom prst="line">
+            <a:avLst/>
+          </a:prstGeom>
+          <a:ln>
+            <a:prstDash val="sysDash"/>
+          </a:ln>
+        </p:spPr>
+        <p:style>
+          <a:lnRef idx="2">
+            <a:schemeClr val="accent1"/>
+          </a:lnRef>
+          <a:fillRef idx="0">
+            <a:schemeClr val="accent1"/>
+          </a:fillRef>
+          <a:effectRef idx="1">
+            <a:schemeClr val="accent1"/>
+          </a:effectRef>
+          <a:fontRef idx="minor">
+            <a:schemeClr val="tx1"/>
+          </a:fontRef>
+        </p:style>
+      </p:cxnSp>
+      <p:sp>
+        <p:nvSpPr>
+          <p:cNvPr id="69" name="TextBox 68"/>
+          <p:cNvSpPr txBox="1"/>
+          <p:nvPr/>
+        </p:nvSpPr>
+        <p:spPr>
+          <a:xfrm>
+            <a:off x="4392071" y="3558082"/>
+            <a:ext cx="2206541" cy="525749"/>
+          </a:xfrm>
+          <a:prstGeom prst="rect">
+            <a:avLst/>
+          </a:prstGeom>
+          <a:noFill/>
+        </p:spPr>
+        <p:txBody>
+          <a:bodyPr wrap="square" rtlCol="0">
+            <a:spAutoFit/>
+          </a:bodyPr>
+          <a:lstStyle/>
+          <a:p>
+            <a:pPr algn="ctr"/>
+            <a:r>
+              <a:rPr lang="en-US" sz="1400" b="1" dirty="0" smtClean="0"/>
+              <a:t>Local </a:t>
+            </a:r>
+            <a:r>
+              <a:rPr lang="en-US" sz="1400" b="1" dirty="0" smtClean="0"/>
+              <a:t>Accessible </a:t>
+            </a:r>
+            <a:endParaRPr lang="en-US" sz="1400" b="1" dirty="0" smtClean="0"/>
+          </a:p>
+          <a:p>
+            <a:pPr algn="ctr"/>
+            <a:r>
+              <a:rPr lang="en-US" sz="1400" b="1" dirty="0" smtClean="0"/>
+              <a:t>Data </a:t>
+            </a:r>
+            <a:r>
+              <a:rPr lang="en-US" sz="1400" b="1" dirty="0" smtClean="0"/>
+              <a:t>Objects</a:t>
+            </a:r>
+            <a:endParaRPr lang="en-US" sz="1400" b="1" dirty="0"/>
+          </a:p>
+        </p:txBody>
+      </p:sp>
     </p:spTree>
     <p:extLst>
       <p:ext uri="{BB962C8B-B14F-4D97-AF65-F5344CB8AC3E}">
